--- a/04-Buyuk-Veri-Sorgulama/04_apache_tez_teori.pptx
+++ b/04-Buyuk-Veri-Sorgulama/04_apache_tez_teori.pptx
@@ -357,6 +357,75 @@
       </pc:sldChg>
     </pc:docChg>
   </pc:docChgLst>
+  <pc:docChgLst>
+    <pc:chgData name="Erkan ŞİRİN" userId="7f10ce1d6aaf8c5d" providerId="LiveId" clId="{E20E3CA7-E9DC-443F-9EE8-4AF5BABD8C3B}"/>
+    <pc:docChg chg="custSel modSld">
+      <pc:chgData name="Erkan ŞİRİN" userId="7f10ce1d6aaf8c5d" providerId="LiveId" clId="{E20E3CA7-E9DC-443F-9EE8-4AF5BABD8C3B}" dt="2019-07-23T04:52:58.413" v="3" actId="478"/>
+      <pc:docMkLst>
+        <pc:docMk/>
+      </pc:docMkLst>
+      <pc:sldChg chg="delSp">
+        <pc:chgData name="Erkan ŞİRİN" userId="7f10ce1d6aaf8c5d" providerId="LiveId" clId="{E20E3CA7-E9DC-443F-9EE8-4AF5BABD8C3B}" dt="2019-07-23T04:52:41.198" v="0" actId="478"/>
+        <pc:sldMkLst>
+          <pc:docMk/>
+          <pc:sldMk cId="2813886073" sldId="258"/>
+        </pc:sldMkLst>
+        <pc:picChg chg="del">
+          <ac:chgData name="Erkan ŞİRİN" userId="7f10ce1d6aaf8c5d" providerId="LiveId" clId="{E20E3CA7-E9DC-443F-9EE8-4AF5BABD8C3B}" dt="2019-07-23T04:52:41.198" v="0" actId="478"/>
+          <ac:picMkLst>
+            <pc:docMk/>
+            <pc:sldMk cId="2813886073" sldId="258"/>
+            <ac:picMk id="22" creationId="{1B01477C-9770-41D5-9A8A-478E6E29C380}"/>
+          </ac:picMkLst>
+        </pc:picChg>
+      </pc:sldChg>
+      <pc:sldChg chg="delSp">
+        <pc:chgData name="Erkan ŞİRİN" userId="7f10ce1d6aaf8c5d" providerId="LiveId" clId="{E20E3CA7-E9DC-443F-9EE8-4AF5BABD8C3B}" dt="2019-07-23T04:52:58.413" v="3" actId="478"/>
+        <pc:sldMkLst>
+          <pc:docMk/>
+          <pc:sldMk cId="2292690529" sldId="259"/>
+        </pc:sldMkLst>
+        <pc:picChg chg="del">
+          <ac:chgData name="Erkan ŞİRİN" userId="7f10ce1d6aaf8c5d" providerId="LiveId" clId="{E20E3CA7-E9DC-443F-9EE8-4AF5BABD8C3B}" dt="2019-07-23T04:52:58.413" v="3" actId="478"/>
+          <ac:picMkLst>
+            <pc:docMk/>
+            <pc:sldMk cId="2292690529" sldId="259"/>
+            <ac:picMk id="18" creationId="{3CB16AEE-B905-4264-B271-BCABF94CD024}"/>
+          </ac:picMkLst>
+        </pc:picChg>
+      </pc:sldChg>
+      <pc:sldChg chg="delSp">
+        <pc:chgData name="Erkan ŞİRİN" userId="7f10ce1d6aaf8c5d" providerId="LiveId" clId="{E20E3CA7-E9DC-443F-9EE8-4AF5BABD8C3B}" dt="2019-07-23T04:52:50.930" v="2" actId="478"/>
+        <pc:sldMkLst>
+          <pc:docMk/>
+          <pc:sldMk cId="3448837559" sldId="260"/>
+        </pc:sldMkLst>
+        <pc:picChg chg="del">
+          <ac:chgData name="Erkan ŞİRİN" userId="7f10ce1d6aaf8c5d" providerId="LiveId" clId="{E20E3CA7-E9DC-443F-9EE8-4AF5BABD8C3B}" dt="2019-07-23T04:52:50.930" v="2" actId="478"/>
+          <ac:picMkLst>
+            <pc:docMk/>
+            <pc:sldMk cId="3448837559" sldId="260"/>
+            <ac:picMk id="58" creationId="{A3F63B72-A928-4BE8-8E14-D40A35E932A2}"/>
+          </ac:picMkLst>
+        </pc:picChg>
+      </pc:sldChg>
+      <pc:sldChg chg="delSp">
+        <pc:chgData name="Erkan ŞİRİN" userId="7f10ce1d6aaf8c5d" providerId="LiveId" clId="{E20E3CA7-E9DC-443F-9EE8-4AF5BABD8C3B}" dt="2019-07-23T04:52:47.119" v="1" actId="478"/>
+        <pc:sldMkLst>
+          <pc:docMk/>
+          <pc:sldMk cId="3880778730" sldId="263"/>
+        </pc:sldMkLst>
+        <pc:picChg chg="del">
+          <ac:chgData name="Erkan ŞİRİN" userId="7f10ce1d6aaf8c5d" providerId="LiveId" clId="{E20E3CA7-E9DC-443F-9EE8-4AF5BABD8C3B}" dt="2019-07-23T04:52:47.119" v="1" actId="478"/>
+          <ac:picMkLst>
+            <pc:docMk/>
+            <pc:sldMk cId="3880778730" sldId="263"/>
+            <ac:picMk id="17" creationId="{DDCBBE31-668C-455B-A9F0-8B7687FB0E80}"/>
+          </ac:picMkLst>
+        </pc:picChg>
+      </pc:sldChg>
+    </pc:docChg>
+  </pc:docChgLst>
 </pc:chgInfo>
 </file>
 
@@ -442,7 +511,7 @@
           <a:p>
             <a:fld id="{6F77F576-AE14-466D-AA6B-335273622B21}" type="datetimeFigureOut">
               <a:rPr lang="en-US" smtClean="0"/>
-              <a:t>5/6/2019</a:t>
+              <a:t>7/23/2019</a:t>
             </a:fld>
             <a:endParaRPr lang="en-US"/>
           </a:p>
@@ -841,7 +910,7 @@
           <a:p>
             <a:fld id="{54AA066D-271F-4C1A-B89A-0705A7689EE9}" type="datetimeFigureOut">
               <a:rPr lang="en-US" smtClean="0"/>
-              <a:t>5/6/2019</a:t>
+              <a:t>7/23/2019</a:t>
             </a:fld>
             <a:endParaRPr lang="en-US"/>
           </a:p>
@@ -1011,7 +1080,7 @@
           <a:p>
             <a:fld id="{54AA066D-271F-4C1A-B89A-0705A7689EE9}" type="datetimeFigureOut">
               <a:rPr lang="en-US" smtClean="0"/>
-              <a:t>5/6/2019</a:t>
+              <a:t>7/23/2019</a:t>
             </a:fld>
             <a:endParaRPr lang="en-US"/>
           </a:p>
@@ -1191,7 +1260,7 @@
           <a:p>
             <a:fld id="{54AA066D-271F-4C1A-B89A-0705A7689EE9}" type="datetimeFigureOut">
               <a:rPr lang="en-US" smtClean="0"/>
-              <a:t>5/6/2019</a:t>
+              <a:t>7/23/2019</a:t>
             </a:fld>
             <a:endParaRPr lang="en-US"/>
           </a:p>
@@ -1361,7 +1430,7 @@
           <a:p>
             <a:fld id="{54AA066D-271F-4C1A-B89A-0705A7689EE9}" type="datetimeFigureOut">
               <a:rPr lang="en-US" smtClean="0"/>
-              <a:t>5/6/2019</a:t>
+              <a:t>7/23/2019</a:t>
             </a:fld>
             <a:endParaRPr lang="en-US"/>
           </a:p>
@@ -1607,7 +1676,7 @@
           <a:p>
             <a:fld id="{54AA066D-271F-4C1A-B89A-0705A7689EE9}" type="datetimeFigureOut">
               <a:rPr lang="en-US" smtClean="0"/>
-              <a:t>5/6/2019</a:t>
+              <a:t>7/23/2019</a:t>
             </a:fld>
             <a:endParaRPr lang="en-US"/>
           </a:p>
@@ -1839,7 +1908,7 @@
           <a:p>
             <a:fld id="{54AA066D-271F-4C1A-B89A-0705A7689EE9}" type="datetimeFigureOut">
               <a:rPr lang="en-US" smtClean="0"/>
-              <a:t>5/6/2019</a:t>
+              <a:t>7/23/2019</a:t>
             </a:fld>
             <a:endParaRPr lang="en-US"/>
           </a:p>
@@ -2206,7 +2275,7 @@
           <a:p>
             <a:fld id="{54AA066D-271F-4C1A-B89A-0705A7689EE9}" type="datetimeFigureOut">
               <a:rPr lang="en-US" smtClean="0"/>
-              <a:t>5/6/2019</a:t>
+              <a:t>7/23/2019</a:t>
             </a:fld>
             <a:endParaRPr lang="en-US"/>
           </a:p>
@@ -2324,7 +2393,7 @@
           <a:p>
             <a:fld id="{54AA066D-271F-4C1A-B89A-0705A7689EE9}" type="datetimeFigureOut">
               <a:rPr lang="en-US" smtClean="0"/>
-              <a:t>5/6/2019</a:t>
+              <a:t>7/23/2019</a:t>
             </a:fld>
             <a:endParaRPr lang="en-US"/>
           </a:p>
@@ -2419,7 +2488,7 @@
           <a:p>
             <a:fld id="{54AA066D-271F-4C1A-B89A-0705A7689EE9}" type="datetimeFigureOut">
               <a:rPr lang="en-US" smtClean="0"/>
-              <a:t>5/6/2019</a:t>
+              <a:t>7/23/2019</a:t>
             </a:fld>
             <a:endParaRPr lang="en-US"/>
           </a:p>
@@ -2696,7 +2765,7 @@
           <a:p>
             <a:fld id="{54AA066D-271F-4C1A-B89A-0705A7689EE9}" type="datetimeFigureOut">
               <a:rPr lang="en-US" smtClean="0"/>
-              <a:t>5/6/2019</a:t>
+              <a:t>7/23/2019</a:t>
             </a:fld>
             <a:endParaRPr lang="en-US"/>
           </a:p>
@@ -2949,7 +3018,7 @@
           <a:p>
             <a:fld id="{54AA066D-271F-4C1A-B89A-0705A7689EE9}" type="datetimeFigureOut">
               <a:rPr lang="en-US" smtClean="0"/>
-              <a:t>5/6/2019</a:t>
+              <a:t>7/23/2019</a:t>
             </a:fld>
             <a:endParaRPr lang="en-US"/>
           </a:p>
@@ -3162,7 +3231,7 @@
           <a:p>
             <a:fld id="{54AA066D-271F-4C1A-B89A-0705A7689EE9}" type="datetimeFigureOut">
               <a:rPr lang="en-US" smtClean="0"/>
-              <a:t>5/6/2019</a:t>
+              <a:t>7/23/2019</a:t>
             </a:fld>
             <a:endParaRPr lang="en-US"/>
           </a:p>
@@ -4057,42 +4126,6 @@
           </a:p>
         </p:txBody>
       </p:sp>
-      <p:pic>
-        <p:nvPicPr>
-          <p:cNvPr id="22" name="Resim 21">
-            <a:extLst>
-              <a:ext uri="{FF2B5EF4-FFF2-40B4-BE49-F238E27FC236}">
-                <a16:creationId xmlns:a16="http://schemas.microsoft.com/office/drawing/2014/main" id="{1B01477C-9770-41D5-9A8A-478E6E29C380}"/>
-              </a:ext>
-            </a:extLst>
-          </p:cNvPr>
-          <p:cNvPicPr>
-            <a:picLocks noChangeAspect="1"/>
-          </p:cNvPicPr>
-          <p:nvPr/>
-        </p:nvPicPr>
-        <p:blipFill>
-          <a:blip r:embed="rId6">
-            <a:extLst>
-              <a:ext uri="{28A0092B-C50C-407E-A947-70E740481C1C}">
-                <a14:useLocalDpi xmlns:a14="http://schemas.microsoft.com/office/drawing/2010/main" val="0"/>
-              </a:ext>
-            </a:extLst>
-          </a:blip>
-          <a:stretch>
-            <a:fillRect/>
-          </a:stretch>
-        </p:blipFill>
-        <p:spPr>
-          <a:xfrm>
-            <a:off x="340622" y="6362072"/>
-            <a:ext cx="2154700" cy="308365"/>
-          </a:xfrm>
-          <a:prstGeom prst="rect">
-            <a:avLst/>
-          </a:prstGeom>
-        </p:spPr>
-      </p:pic>
     </p:spTree>
     <p:extLst>
       <p:ext uri="{BB962C8B-B14F-4D97-AF65-F5344CB8AC3E}">
@@ -7605,42 +7638,6 @@
           </a:p>
         </p:txBody>
       </p:sp>
-      <p:pic>
-        <p:nvPicPr>
-          <p:cNvPr id="17" name="Resim 16">
-            <a:extLst>
-              <a:ext uri="{FF2B5EF4-FFF2-40B4-BE49-F238E27FC236}">
-                <a16:creationId xmlns:a16="http://schemas.microsoft.com/office/drawing/2014/main" id="{DDCBBE31-668C-455B-A9F0-8B7687FB0E80}"/>
-              </a:ext>
-            </a:extLst>
-          </p:cNvPr>
-          <p:cNvPicPr>
-            <a:picLocks noChangeAspect="1"/>
-          </p:cNvPicPr>
-          <p:nvPr/>
-        </p:nvPicPr>
-        <p:blipFill>
-          <a:blip r:embed="rId2">
-            <a:extLst>
-              <a:ext uri="{28A0092B-C50C-407E-A947-70E740481C1C}">
-                <a14:useLocalDpi xmlns:a14="http://schemas.microsoft.com/office/drawing/2010/main" val="0"/>
-              </a:ext>
-            </a:extLst>
-          </a:blip>
-          <a:stretch>
-            <a:fillRect/>
-          </a:stretch>
-        </p:blipFill>
-        <p:spPr>
-          <a:xfrm>
-            <a:off x="340622" y="6362072"/>
-            <a:ext cx="2154700" cy="308365"/>
-          </a:xfrm>
-          <a:prstGeom prst="rect">
-            <a:avLst/>
-          </a:prstGeom>
-        </p:spPr>
-      </p:pic>
     </p:spTree>
     <p:extLst>
       <p:ext uri="{BB962C8B-B14F-4D97-AF65-F5344CB8AC3E}">
@@ -9313,42 +9310,6 @@
           </a:p>
         </p:txBody>
       </p:sp>
-      <p:pic>
-        <p:nvPicPr>
-          <p:cNvPr id="58" name="Resim 57">
-            <a:extLst>
-              <a:ext uri="{FF2B5EF4-FFF2-40B4-BE49-F238E27FC236}">
-                <a16:creationId xmlns:a16="http://schemas.microsoft.com/office/drawing/2014/main" id="{A3F63B72-A928-4BE8-8E14-D40A35E932A2}"/>
-              </a:ext>
-            </a:extLst>
-          </p:cNvPr>
-          <p:cNvPicPr>
-            <a:picLocks noChangeAspect="1"/>
-          </p:cNvPicPr>
-          <p:nvPr/>
-        </p:nvPicPr>
-        <p:blipFill>
-          <a:blip r:embed="rId9">
-            <a:extLst>
-              <a:ext uri="{28A0092B-C50C-407E-A947-70E740481C1C}">
-                <a14:useLocalDpi xmlns:a14="http://schemas.microsoft.com/office/drawing/2010/main" val="0"/>
-              </a:ext>
-            </a:extLst>
-          </a:blip>
-          <a:stretch>
-            <a:fillRect/>
-          </a:stretch>
-        </p:blipFill>
-        <p:spPr>
-          <a:xfrm>
-            <a:off x="340622" y="6362072"/>
-            <a:ext cx="2154700" cy="308365"/>
-          </a:xfrm>
-          <a:prstGeom prst="rect">
-            <a:avLst/>
-          </a:prstGeom>
-        </p:spPr>
-      </p:pic>
     </p:spTree>
     <p:extLst>
       <p:ext uri="{BB962C8B-B14F-4D97-AF65-F5344CB8AC3E}">
@@ -10341,42 +10302,6 @@
           </a:p>
         </p:txBody>
       </p:sp>
-      <p:pic>
-        <p:nvPicPr>
-          <p:cNvPr id="18" name="Resim 17">
-            <a:extLst>
-              <a:ext uri="{FF2B5EF4-FFF2-40B4-BE49-F238E27FC236}">
-                <a16:creationId xmlns:a16="http://schemas.microsoft.com/office/drawing/2014/main" id="{3CB16AEE-B905-4264-B271-BCABF94CD024}"/>
-              </a:ext>
-            </a:extLst>
-          </p:cNvPr>
-          <p:cNvPicPr>
-            <a:picLocks noChangeAspect="1"/>
-          </p:cNvPicPr>
-          <p:nvPr/>
-        </p:nvPicPr>
-        <p:blipFill>
-          <a:blip r:embed="rId2">
-            <a:extLst>
-              <a:ext uri="{28A0092B-C50C-407E-A947-70E740481C1C}">
-                <a14:useLocalDpi xmlns:a14="http://schemas.microsoft.com/office/drawing/2010/main" val="0"/>
-              </a:ext>
-            </a:extLst>
-          </a:blip>
-          <a:stretch>
-            <a:fillRect/>
-          </a:stretch>
-        </p:blipFill>
-        <p:spPr>
-          <a:xfrm>
-            <a:off x="340622" y="6362072"/>
-            <a:ext cx="2154700" cy="308365"/>
-          </a:xfrm>
-          <a:prstGeom prst="rect">
-            <a:avLst/>
-          </a:prstGeom>
-        </p:spPr>
-      </p:pic>
     </p:spTree>
     <p:extLst>
       <p:ext uri="{BB962C8B-B14F-4D97-AF65-F5344CB8AC3E}">
